--- a/IFJ.pptx
+++ b/IFJ.pptx
@@ -5,7 +5,7 @@
     <p:sldMasterId id="2147483684" r:id="rId1"/>
   </p:sldMasterIdLst>
   <p:notesMasterIdLst>
-    <p:notesMasterId r:id="rId14"/>
+    <p:notesMasterId r:id="rId15"/>
   </p:notesMasterIdLst>
   <p:sldIdLst>
     <p:sldId id="256" r:id="rId2"/>
@@ -16,10 +16,11 @@
     <p:sldId id="261" r:id="rId7"/>
     <p:sldId id="262" r:id="rId8"/>
     <p:sldId id="263" r:id="rId9"/>
-    <p:sldId id="264" r:id="rId10"/>
-    <p:sldId id="265" r:id="rId11"/>
-    <p:sldId id="266" r:id="rId12"/>
-    <p:sldId id="267" r:id="rId13"/>
+    <p:sldId id="268" r:id="rId10"/>
+    <p:sldId id="264" r:id="rId11"/>
+    <p:sldId id="265" r:id="rId12"/>
+    <p:sldId id="266" r:id="rId13"/>
+    <p:sldId id="267" r:id="rId14"/>
   </p:sldIdLst>
   <p:sldSz cx="9144000" cy="6858000" type="screen4x3"/>
   <p:notesSz cx="6858000" cy="9144000"/>
@@ -118,6 +119,22 @@
       </a:defRPr>
     </a:lvl9pPr>
   </p:defaultTextStyle>
+  <p:extLst>
+    <p:ext uri="{EFAFB233-063F-42B5-8137-9DF3F51BA10A}">
+      <p15:sldGuideLst xmlns:p15="http://schemas.microsoft.com/office/powerpoint/2012/main">
+        <p15:guide id="1" orient="horz" pos="2160">
+          <p15:clr>
+            <a:srgbClr val="A4A3A4"/>
+          </p15:clr>
+        </p15:guide>
+        <p15:guide id="2" pos="2880">
+          <p15:clr>
+            <a:srgbClr val="A4A3A4"/>
+          </p15:clr>
+        </p15:guide>
+      </p15:sldGuideLst>
+    </p:ext>
+  </p:extLst>
 </p:presentation>
 </file>
 
@@ -203,7 +220,7 @@
           <a:p>
             <a:fld id="{55E629BF-E804-42EF-9910-ABBE024CE6C8}" type="datetimeFigureOut">
               <a:rPr lang="cs-CZ" smtClean="0"/>
-              <a:t>10.12.2019</a:t>
+              <a:t>11.12.2019</a:t>
             </a:fld>
             <a:endParaRPr lang="cs-CZ"/>
           </a:p>
@@ -269,38 +286,37 @@
           <a:p>
             <a:pPr lvl="0"/>
             <a:r>
-              <a:rPr lang="cs-CZ" smtClean="0"/>
+              <a:rPr lang="cs-CZ"/>
               <a:t>Klepnutím lze upravit styly předlohy textu.</a:t>
             </a:r>
           </a:p>
           <a:p>
             <a:pPr lvl="1"/>
             <a:r>
-              <a:rPr lang="cs-CZ" smtClean="0"/>
+              <a:rPr lang="cs-CZ"/>
               <a:t>Druhá úroveň</a:t>
             </a:r>
           </a:p>
           <a:p>
             <a:pPr lvl="2"/>
             <a:r>
-              <a:rPr lang="cs-CZ" smtClean="0"/>
+              <a:rPr lang="cs-CZ"/>
               <a:t>Třetí úroveň</a:t>
             </a:r>
           </a:p>
           <a:p>
             <a:pPr lvl="3"/>
             <a:r>
-              <a:rPr lang="cs-CZ" smtClean="0"/>
+              <a:rPr lang="cs-CZ"/>
               <a:t>Čtvrtá úroveň</a:t>
             </a:r>
           </a:p>
           <a:p>
             <a:pPr lvl="4"/>
             <a:r>
-              <a:rPr lang="cs-CZ" smtClean="0"/>
+              <a:rPr lang="cs-CZ"/>
               <a:t>Pátá úroveň</a:t>
             </a:r>
-            <a:endParaRPr lang="cs-CZ"/>
           </a:p>
         </p:txBody>
       </p:sp>
@@ -690,9 +706,7 @@
         </p:style>
         <p:txBody>
           <a:bodyPr rtlCol="0" anchor="ctr"/>
-          <a:lstStyle>
-            <a:extLst/>
-          </a:lstStyle>
+          <a:lstStyle/>
           <a:p>
             <a:pPr algn="ctr" eaLnBrk="1" latinLnBrk="0" hangingPunct="1"/>
             <a:endParaRPr kumimoji="0" lang="en-US"/>
@@ -736,7 +750,7 @@
           </a:lstStyle>
           <a:p>
             <a:r>
-              <a:rPr kumimoji="0" lang="cs-CZ" smtClean="0"/>
+              <a:rPr kumimoji="0" lang="cs-CZ"/>
               <a:t>Klepnutím lze upravit styl předlohy nadpisů.</a:t>
             </a:r>
             <a:endParaRPr kumimoji="0" lang="en-US"/>
@@ -854,7 +868,7 @@
           </a:lstStyle>
           <a:p>
             <a:r>
-              <a:rPr kumimoji="0" lang="cs-CZ" smtClean="0"/>
+              <a:rPr kumimoji="0" lang="cs-CZ"/>
               <a:t>Klepnutím lze upravit styl předlohy podnadpisů.</a:t>
             </a:r>
             <a:endParaRPr kumimoji="0" lang="en-US"/>
@@ -878,7 +892,7 @@
           <a:p>
             <a:fld id="{C898D545-1CAF-4C17-A1C6-9E12E5F8BD71}" type="datetime1">
               <a:rPr lang="cs-CZ" smtClean="0"/>
-              <a:t>10.12.2019</a:t>
+              <a:t>11.12.2019</a:t>
             </a:fld>
             <a:endParaRPr lang="cs-CZ"/>
           </a:p>
@@ -900,10 +914,9 @@
           <a:lstStyle/>
           <a:p>
             <a:r>
-              <a:rPr lang="cs-CZ" smtClean="0"/>
+              <a:rPr lang="cs-CZ"/>
               <a:t>/20</a:t>
             </a:r>
-            <a:endParaRPr lang="cs-CZ"/>
           </a:p>
         </p:txBody>
       </p:sp>
@@ -976,9 +989,7 @@
         </p:style>
         <p:txBody>
           <a:bodyPr rtlCol="0" anchor="ctr"/>
-          <a:lstStyle>
-            <a:extLst/>
-          </a:lstStyle>
+          <a:lstStyle/>
           <a:p>
             <a:pPr algn="ctr" eaLnBrk="1" latinLnBrk="0" hangingPunct="1"/>
             <a:endParaRPr kumimoji="0" lang="en-US"/>
@@ -1023,12 +1034,10 @@
         <p:spPr/>
         <p:txBody>
           <a:bodyPr/>
-          <a:lstStyle>
-            <a:extLst/>
-          </a:lstStyle>
-          <a:p>
-            <a:r>
-              <a:rPr kumimoji="0" lang="cs-CZ" smtClean="0"/>
+          <a:lstStyle/>
+          <a:p>
+            <a:r>
+              <a:rPr kumimoji="0" lang="cs-CZ"/>
               <a:t>Klepnutím lze upravit styl předlohy nadpisů.</a:t>
             </a:r>
             <a:endParaRPr kumimoji="0" lang="en-US"/>
@@ -1048,41 +1057,39 @@
         <p:spPr/>
         <p:txBody>
           <a:bodyPr vert="eaVert"/>
-          <a:lstStyle>
-            <a:extLst/>
-          </a:lstStyle>
+          <a:lstStyle/>
           <a:p>
             <a:pPr lvl="0" eaLnBrk="1" latinLnBrk="0" hangingPunct="1"/>
             <a:r>
-              <a:rPr lang="cs-CZ" smtClean="0"/>
+              <a:rPr lang="cs-CZ"/>
               <a:t>Klepnutím lze upravit styly předlohy textu.</a:t>
             </a:r>
           </a:p>
           <a:p>
             <a:pPr lvl="1" eaLnBrk="1" latinLnBrk="0" hangingPunct="1"/>
             <a:r>
-              <a:rPr lang="cs-CZ" smtClean="0"/>
+              <a:rPr lang="cs-CZ"/>
               <a:t>Druhá úroveň</a:t>
             </a:r>
           </a:p>
           <a:p>
             <a:pPr lvl="2" eaLnBrk="1" latinLnBrk="0" hangingPunct="1"/>
             <a:r>
-              <a:rPr lang="cs-CZ" smtClean="0"/>
+              <a:rPr lang="cs-CZ"/>
               <a:t>Třetí úroveň</a:t>
             </a:r>
           </a:p>
           <a:p>
             <a:pPr lvl="3" eaLnBrk="1" latinLnBrk="0" hangingPunct="1"/>
             <a:r>
-              <a:rPr lang="cs-CZ" smtClean="0"/>
+              <a:rPr lang="cs-CZ"/>
               <a:t>Čtvrtá úroveň</a:t>
             </a:r>
           </a:p>
           <a:p>
             <a:pPr lvl="4" eaLnBrk="1" latinLnBrk="0" hangingPunct="1"/>
             <a:r>
-              <a:rPr lang="cs-CZ" smtClean="0"/>
+              <a:rPr lang="cs-CZ"/>
               <a:t>Pátá úroveň</a:t>
             </a:r>
             <a:endParaRPr kumimoji="0" lang="en-US"/>
@@ -1106,7 +1113,7 @@
           <a:p>
             <a:fld id="{9C803FDE-BEBB-483F-9EE9-1E9128ED3BD8}" type="datetime1">
               <a:rPr lang="cs-CZ" smtClean="0"/>
-              <a:t>10.12.2019</a:t>
+              <a:t>11.12.2019</a:t>
             </a:fld>
             <a:endParaRPr lang="cs-CZ"/>
           </a:p>
@@ -1128,10 +1135,9 @@
           <a:lstStyle/>
           <a:p>
             <a:r>
-              <a:rPr lang="cs-CZ" smtClean="0"/>
+              <a:rPr lang="cs-CZ"/>
               <a:t>/20</a:t>
             </a:r>
-            <a:endParaRPr lang="cs-CZ"/>
           </a:p>
         </p:txBody>
       </p:sp>
@@ -1229,9 +1235,7 @@
         </p:style>
         <p:txBody>
           <a:bodyPr rtlCol="0" anchor="ctr"/>
-          <a:lstStyle>
-            <a:extLst/>
-          </a:lstStyle>
+          <a:lstStyle/>
           <a:p>
             <a:pPr algn="ctr" eaLnBrk="1" latinLnBrk="0" hangingPunct="1"/>
             <a:endParaRPr kumimoji="0" lang="en-US"/>
@@ -1276,9 +1280,7 @@
         </p:style>
         <p:txBody>
           <a:bodyPr rtlCol="0" anchor="ctr"/>
-          <a:lstStyle>
-            <a:extLst/>
-          </a:lstStyle>
+          <a:lstStyle/>
           <a:p>
             <a:pPr algn="ctr" eaLnBrk="1" latinLnBrk="0" hangingPunct="1"/>
             <a:endParaRPr kumimoji="0" lang="en-US"/>
@@ -1303,12 +1305,10 @@
         </p:spPr>
         <p:txBody>
           <a:bodyPr vert="eaVert"/>
-          <a:lstStyle>
-            <a:extLst/>
-          </a:lstStyle>
-          <a:p>
-            <a:r>
-              <a:rPr kumimoji="0" lang="cs-CZ" smtClean="0"/>
+          <a:lstStyle/>
+          <a:p>
+            <a:r>
+              <a:rPr kumimoji="0" lang="cs-CZ"/>
               <a:t>Klepnutím lze upravit styl předlohy nadpisů.</a:t>
             </a:r>
             <a:endParaRPr kumimoji="0" lang="en-US"/>
@@ -1333,41 +1333,39 @@
         </p:spPr>
         <p:txBody>
           <a:bodyPr vert="eaVert"/>
-          <a:lstStyle>
-            <a:extLst/>
-          </a:lstStyle>
+          <a:lstStyle/>
           <a:p>
             <a:pPr lvl="0" eaLnBrk="1" latinLnBrk="0" hangingPunct="1"/>
             <a:r>
-              <a:rPr lang="cs-CZ" smtClean="0"/>
+              <a:rPr lang="cs-CZ"/>
               <a:t>Klepnutím lze upravit styly předlohy textu.</a:t>
             </a:r>
           </a:p>
           <a:p>
             <a:pPr lvl="1" eaLnBrk="1" latinLnBrk="0" hangingPunct="1"/>
             <a:r>
-              <a:rPr lang="cs-CZ" smtClean="0"/>
+              <a:rPr lang="cs-CZ"/>
               <a:t>Druhá úroveň</a:t>
             </a:r>
           </a:p>
           <a:p>
             <a:pPr lvl="2" eaLnBrk="1" latinLnBrk="0" hangingPunct="1"/>
             <a:r>
-              <a:rPr lang="cs-CZ" smtClean="0"/>
+              <a:rPr lang="cs-CZ"/>
               <a:t>Třetí úroveň</a:t>
             </a:r>
           </a:p>
           <a:p>
             <a:pPr lvl="3" eaLnBrk="1" latinLnBrk="0" hangingPunct="1"/>
             <a:r>
-              <a:rPr lang="cs-CZ" smtClean="0"/>
+              <a:rPr lang="cs-CZ"/>
               <a:t>Čtvrtá úroveň</a:t>
             </a:r>
           </a:p>
           <a:p>
             <a:pPr lvl="4" eaLnBrk="1" latinLnBrk="0" hangingPunct="1"/>
             <a:r>
-              <a:rPr lang="cs-CZ" smtClean="0"/>
+              <a:rPr lang="cs-CZ"/>
               <a:t>Pátá úroveň</a:t>
             </a:r>
             <a:endParaRPr kumimoji="0" lang="en-US"/>
@@ -1391,7 +1389,7 @@
           <a:p>
             <a:fld id="{B4B252A7-8633-4F07-BED4-CDB90BCFA2B6}" type="datetime1">
               <a:rPr lang="cs-CZ" smtClean="0"/>
-              <a:t>10.12.2019</a:t>
+              <a:t>11.12.2019</a:t>
             </a:fld>
             <a:endParaRPr lang="cs-CZ"/>
           </a:p>
@@ -1418,10 +1416,9 @@
           <a:lstStyle/>
           <a:p>
             <a:r>
-              <a:rPr lang="cs-CZ" smtClean="0"/>
+              <a:rPr lang="cs-CZ"/>
               <a:t>/20</a:t>
             </a:r>
-            <a:endParaRPr lang="cs-CZ"/>
           </a:p>
         </p:txBody>
       </p:sp>
@@ -1492,12 +1489,10 @@
         </p:spPr>
         <p:txBody>
           <a:bodyPr/>
-          <a:lstStyle>
-            <a:extLst/>
-          </a:lstStyle>
-          <a:p>
-            <a:r>
-              <a:rPr kumimoji="0" lang="cs-CZ" smtClean="0"/>
+          <a:lstStyle/>
+          <a:p>
+            <a:r>
+              <a:rPr kumimoji="0" lang="cs-CZ"/>
               <a:t>Klepnutím lze upravit styl předlohy nadpisů.</a:t>
             </a:r>
             <a:endParaRPr kumimoji="0" lang="en-US"/>
@@ -1517,41 +1512,39 @@
         <p:spPr/>
         <p:txBody>
           <a:bodyPr/>
-          <a:lstStyle>
-            <a:extLst/>
-          </a:lstStyle>
+          <a:lstStyle/>
           <a:p>
             <a:pPr lvl="0" eaLnBrk="1" latinLnBrk="0" hangingPunct="1"/>
             <a:r>
-              <a:rPr lang="cs-CZ" smtClean="0"/>
+              <a:rPr lang="cs-CZ"/>
               <a:t>Klepnutím lze upravit styly předlohy textu.</a:t>
             </a:r>
           </a:p>
           <a:p>
             <a:pPr lvl="1" eaLnBrk="1" latinLnBrk="0" hangingPunct="1"/>
             <a:r>
-              <a:rPr lang="cs-CZ" smtClean="0"/>
+              <a:rPr lang="cs-CZ"/>
               <a:t>Druhá úroveň</a:t>
             </a:r>
           </a:p>
           <a:p>
             <a:pPr lvl="2" eaLnBrk="1" latinLnBrk="0" hangingPunct="1"/>
             <a:r>
-              <a:rPr lang="cs-CZ" smtClean="0"/>
+              <a:rPr lang="cs-CZ"/>
               <a:t>Třetí úroveň</a:t>
             </a:r>
           </a:p>
           <a:p>
             <a:pPr lvl="3" eaLnBrk="1" latinLnBrk="0" hangingPunct="1"/>
             <a:r>
-              <a:rPr lang="cs-CZ" smtClean="0"/>
+              <a:rPr lang="cs-CZ"/>
               <a:t>Čtvrtá úroveň</a:t>
             </a:r>
           </a:p>
           <a:p>
             <a:pPr lvl="4" eaLnBrk="1" latinLnBrk="0" hangingPunct="1"/>
             <a:r>
-              <a:rPr lang="cs-CZ" smtClean="0"/>
+              <a:rPr lang="cs-CZ"/>
               <a:t>Pátá úroveň</a:t>
             </a:r>
             <a:endParaRPr kumimoji="0" lang="en-US"/>
@@ -1575,7 +1568,7 @@
           <a:p>
             <a:fld id="{C80FA9FE-7BFF-45DB-B3D4-AD05F2938380}" type="datetime1">
               <a:rPr lang="cs-CZ" smtClean="0"/>
-              <a:t>10.12.2019</a:t>
+              <a:t>11.12.2019</a:t>
             </a:fld>
             <a:endParaRPr lang="cs-CZ"/>
           </a:p>
@@ -1597,10 +1590,9 @@
           <a:lstStyle/>
           <a:p>
             <a:r>
-              <a:rPr lang="cs-CZ" smtClean="0"/>
+              <a:rPr lang="cs-CZ"/>
               <a:t>/20</a:t>
             </a:r>
-            <a:endParaRPr lang="cs-CZ"/>
           </a:p>
         </p:txBody>
       </p:sp>
@@ -1696,9 +1688,7 @@
         </p:style>
         <p:txBody>
           <a:bodyPr rtlCol="0" anchor="ctr"/>
-          <a:lstStyle>
-            <a:extLst/>
-          </a:lstStyle>
+          <a:lstStyle/>
           <a:p>
             <a:pPr algn="ctr" eaLnBrk="1" latinLnBrk="0" hangingPunct="1"/>
             <a:endParaRPr kumimoji="0" lang="en-US"/>
@@ -1750,9 +1740,7 @@
         </p:style>
         <p:txBody>
           <a:bodyPr rtlCol="0" anchor="ctr"/>
-          <a:lstStyle>
-            <a:extLst/>
-          </a:lstStyle>
+          <a:lstStyle/>
           <a:p>
             <a:pPr algn="ctr" eaLnBrk="1" latinLnBrk="0" hangingPunct="1"/>
             <a:endParaRPr kumimoji="0" lang="en-US"/>
@@ -1796,7 +1784,7 @@
           </a:lstStyle>
           <a:p>
             <a:r>
-              <a:rPr kumimoji="0" lang="cs-CZ" smtClean="0"/>
+              <a:rPr kumimoji="0" lang="cs-CZ"/>
               <a:t>Klepnutím lze upravit styl předlohy nadpisů.</a:t>
             </a:r>
             <a:endParaRPr kumimoji="0" lang="en-US"/>
@@ -1915,7 +1903,7 @@
           <a:p>
             <a:pPr lvl="0" eaLnBrk="1" latinLnBrk="0" hangingPunct="1"/>
             <a:r>
-              <a:rPr kumimoji="0" lang="cs-CZ" smtClean="0"/>
+              <a:rPr kumimoji="0" lang="cs-CZ"/>
               <a:t>Klepnutím lze upravit styly předlohy textu.</a:t>
             </a:r>
           </a:p>
@@ -1938,7 +1926,7 @@
           <a:p>
             <a:fld id="{474B1BEB-BD80-42EE-B13C-155EFE8A6563}" type="datetime1">
               <a:rPr lang="cs-CZ" smtClean="0"/>
-              <a:t>10.12.2019</a:t>
+              <a:t>11.12.2019</a:t>
             </a:fld>
             <a:endParaRPr lang="cs-CZ"/>
           </a:p>
@@ -1960,10 +1948,9 @@
           <a:lstStyle/>
           <a:p>
             <a:r>
-              <a:rPr lang="cs-CZ" smtClean="0"/>
+              <a:rPr lang="cs-CZ"/>
               <a:t>/20</a:t>
             </a:r>
-            <a:endParaRPr lang="cs-CZ"/>
           </a:p>
         </p:txBody>
       </p:sp>
@@ -2029,12 +2016,10 @@
         <p:spPr/>
         <p:txBody>
           <a:bodyPr/>
-          <a:lstStyle>
-            <a:extLst/>
-          </a:lstStyle>
-          <a:p>
-            <a:r>
-              <a:rPr kumimoji="0" lang="cs-CZ" smtClean="0"/>
+          <a:lstStyle/>
+          <a:p>
+            <a:r>
+              <a:rPr kumimoji="0" lang="cs-CZ"/>
               <a:t>Klepnutím lze upravit styl předlohy nadpisů.</a:t>
             </a:r>
             <a:endParaRPr kumimoji="0" lang="en-US"/>
@@ -2092,35 +2077,35 @@
           <a:p>
             <a:pPr lvl="0" eaLnBrk="1" latinLnBrk="0" hangingPunct="1"/>
             <a:r>
-              <a:rPr lang="cs-CZ" smtClean="0"/>
+              <a:rPr lang="cs-CZ"/>
               <a:t>Klepnutím lze upravit styly předlohy textu.</a:t>
             </a:r>
           </a:p>
           <a:p>
             <a:pPr lvl="1" eaLnBrk="1" latinLnBrk="0" hangingPunct="1"/>
             <a:r>
-              <a:rPr lang="cs-CZ" smtClean="0"/>
+              <a:rPr lang="cs-CZ"/>
               <a:t>Druhá úroveň</a:t>
             </a:r>
           </a:p>
           <a:p>
             <a:pPr lvl="2" eaLnBrk="1" latinLnBrk="0" hangingPunct="1"/>
             <a:r>
-              <a:rPr lang="cs-CZ" smtClean="0"/>
+              <a:rPr lang="cs-CZ"/>
               <a:t>Třetí úroveň</a:t>
             </a:r>
           </a:p>
           <a:p>
             <a:pPr lvl="3" eaLnBrk="1" latinLnBrk="0" hangingPunct="1"/>
             <a:r>
-              <a:rPr lang="cs-CZ" smtClean="0"/>
+              <a:rPr lang="cs-CZ"/>
               <a:t>Čtvrtá úroveň</a:t>
             </a:r>
           </a:p>
           <a:p>
             <a:pPr lvl="4" eaLnBrk="1" latinLnBrk="0" hangingPunct="1"/>
             <a:r>
-              <a:rPr lang="cs-CZ" smtClean="0"/>
+              <a:rPr lang="cs-CZ"/>
               <a:t>Pátá úroveň</a:t>
             </a:r>
             <a:endParaRPr kumimoji="0" lang="en-US"/>
@@ -2178,35 +2163,35 @@
           <a:p>
             <a:pPr lvl="0" eaLnBrk="1" latinLnBrk="0" hangingPunct="1"/>
             <a:r>
-              <a:rPr lang="cs-CZ" smtClean="0"/>
+              <a:rPr lang="cs-CZ"/>
               <a:t>Klepnutím lze upravit styly předlohy textu.</a:t>
             </a:r>
           </a:p>
           <a:p>
             <a:pPr lvl="1" eaLnBrk="1" latinLnBrk="0" hangingPunct="1"/>
             <a:r>
-              <a:rPr lang="cs-CZ" smtClean="0"/>
+              <a:rPr lang="cs-CZ"/>
               <a:t>Druhá úroveň</a:t>
             </a:r>
           </a:p>
           <a:p>
             <a:pPr lvl="2" eaLnBrk="1" latinLnBrk="0" hangingPunct="1"/>
             <a:r>
-              <a:rPr lang="cs-CZ" smtClean="0"/>
+              <a:rPr lang="cs-CZ"/>
               <a:t>Třetí úroveň</a:t>
             </a:r>
           </a:p>
           <a:p>
             <a:pPr lvl="3" eaLnBrk="1" latinLnBrk="0" hangingPunct="1"/>
             <a:r>
-              <a:rPr lang="cs-CZ" smtClean="0"/>
+              <a:rPr lang="cs-CZ"/>
               <a:t>Čtvrtá úroveň</a:t>
             </a:r>
           </a:p>
           <a:p>
             <a:pPr lvl="4" eaLnBrk="1" latinLnBrk="0" hangingPunct="1"/>
             <a:r>
-              <a:rPr lang="cs-CZ" smtClean="0"/>
+              <a:rPr lang="cs-CZ"/>
               <a:t>Pátá úroveň</a:t>
             </a:r>
             <a:endParaRPr kumimoji="0" lang="en-US"/>
@@ -2230,7 +2215,7 @@
           <a:p>
             <a:fld id="{E28769D1-BA1C-44C7-8D81-AC1F7E9A4C21}" type="datetime1">
               <a:rPr lang="cs-CZ" smtClean="0"/>
-              <a:t>10.12.2019</a:t>
+              <a:t>11.12.2019</a:t>
             </a:fld>
             <a:endParaRPr lang="cs-CZ"/>
           </a:p>
@@ -2252,10 +2237,9 @@
           <a:lstStyle/>
           <a:p>
             <a:r>
-              <a:rPr lang="cs-CZ" smtClean="0"/>
+              <a:rPr lang="cs-CZ"/>
               <a:t>/20</a:t>
             </a:r>
-            <a:endParaRPr lang="cs-CZ"/>
           </a:p>
         </p:txBody>
       </p:sp>
@@ -2329,7 +2313,7 @@
           </a:lstStyle>
           <a:p>
             <a:r>
-              <a:rPr kumimoji="0" lang="cs-CZ" smtClean="0"/>
+              <a:rPr kumimoji="0" lang="cs-CZ"/>
               <a:t>Klepnutím lze upravit styl předlohy nadpisů.</a:t>
             </a:r>
             <a:endParaRPr kumimoji="0" lang="en-US"/>
@@ -2396,7 +2380,7 @@
           <a:p>
             <a:pPr lvl="0" eaLnBrk="1" latinLnBrk="0" hangingPunct="1"/>
             <a:r>
-              <a:rPr kumimoji="0" lang="cs-CZ" smtClean="0"/>
+              <a:rPr kumimoji="0" lang="cs-CZ"/>
               <a:t>Klepnutím lze upravit styly předlohy textu.</a:t>
             </a:r>
           </a:p>
@@ -2453,35 +2437,35 @@
           <a:p>
             <a:pPr lvl="0" eaLnBrk="1" latinLnBrk="0" hangingPunct="1"/>
             <a:r>
-              <a:rPr lang="cs-CZ" smtClean="0"/>
+              <a:rPr lang="cs-CZ"/>
               <a:t>Klepnutím lze upravit styly předlohy textu.</a:t>
             </a:r>
           </a:p>
           <a:p>
             <a:pPr lvl="1" eaLnBrk="1" latinLnBrk="0" hangingPunct="1"/>
             <a:r>
-              <a:rPr lang="cs-CZ" smtClean="0"/>
+              <a:rPr lang="cs-CZ"/>
               <a:t>Druhá úroveň</a:t>
             </a:r>
           </a:p>
           <a:p>
             <a:pPr lvl="2" eaLnBrk="1" latinLnBrk="0" hangingPunct="1"/>
             <a:r>
-              <a:rPr lang="cs-CZ" smtClean="0"/>
+              <a:rPr lang="cs-CZ"/>
               <a:t>Třetí úroveň</a:t>
             </a:r>
           </a:p>
           <a:p>
             <a:pPr lvl="3" eaLnBrk="1" latinLnBrk="0" hangingPunct="1"/>
             <a:r>
-              <a:rPr lang="cs-CZ" smtClean="0"/>
+              <a:rPr lang="cs-CZ"/>
               <a:t>Čtvrtá úroveň</a:t>
             </a:r>
           </a:p>
           <a:p>
             <a:pPr lvl="4" eaLnBrk="1" latinLnBrk="0" hangingPunct="1"/>
             <a:r>
-              <a:rPr lang="cs-CZ" smtClean="0"/>
+              <a:rPr lang="cs-CZ"/>
               <a:t>Pátá úroveň</a:t>
             </a:r>
             <a:endParaRPr kumimoji="0" lang="en-US"/>
@@ -2548,7 +2532,7 @@
           <a:p>
             <a:pPr lvl="0" eaLnBrk="1" latinLnBrk="0" hangingPunct="1"/>
             <a:r>
-              <a:rPr kumimoji="0" lang="cs-CZ" smtClean="0"/>
+              <a:rPr kumimoji="0" lang="cs-CZ"/>
               <a:t>Klepnutím lze upravit styly předlohy textu.</a:t>
             </a:r>
           </a:p>
@@ -2605,35 +2589,35 @@
           <a:p>
             <a:pPr lvl="0" eaLnBrk="1" latinLnBrk="0" hangingPunct="1"/>
             <a:r>
-              <a:rPr lang="cs-CZ" smtClean="0"/>
+              <a:rPr lang="cs-CZ"/>
               <a:t>Klepnutím lze upravit styly předlohy textu.</a:t>
             </a:r>
           </a:p>
           <a:p>
             <a:pPr lvl="1" eaLnBrk="1" latinLnBrk="0" hangingPunct="1"/>
             <a:r>
-              <a:rPr lang="cs-CZ" smtClean="0"/>
+              <a:rPr lang="cs-CZ"/>
               <a:t>Druhá úroveň</a:t>
             </a:r>
           </a:p>
           <a:p>
             <a:pPr lvl="2" eaLnBrk="1" latinLnBrk="0" hangingPunct="1"/>
             <a:r>
-              <a:rPr lang="cs-CZ" smtClean="0"/>
+              <a:rPr lang="cs-CZ"/>
               <a:t>Třetí úroveň</a:t>
             </a:r>
           </a:p>
           <a:p>
             <a:pPr lvl="3" eaLnBrk="1" latinLnBrk="0" hangingPunct="1"/>
             <a:r>
-              <a:rPr lang="cs-CZ" smtClean="0"/>
+              <a:rPr lang="cs-CZ"/>
               <a:t>Čtvrtá úroveň</a:t>
             </a:r>
           </a:p>
           <a:p>
             <a:pPr lvl="4" eaLnBrk="1" latinLnBrk="0" hangingPunct="1"/>
             <a:r>
-              <a:rPr lang="cs-CZ" smtClean="0"/>
+              <a:rPr lang="cs-CZ"/>
               <a:t>Pátá úroveň</a:t>
             </a:r>
             <a:endParaRPr kumimoji="0" lang="en-US"/>
@@ -2657,7 +2641,7 @@
           <a:p>
             <a:fld id="{CE99DC29-C46B-4B06-BAA5-20331164D949}" type="datetime1">
               <a:rPr lang="cs-CZ" smtClean="0"/>
-              <a:t>10.12.2019</a:t>
+              <a:t>11.12.2019</a:t>
             </a:fld>
             <a:endParaRPr lang="cs-CZ"/>
           </a:p>
@@ -2679,10 +2663,9 @@
           <a:lstStyle/>
           <a:p>
             <a:r>
-              <a:rPr lang="cs-CZ" smtClean="0"/>
+              <a:rPr lang="cs-CZ"/>
               <a:t>/20</a:t>
             </a:r>
-            <a:endParaRPr lang="cs-CZ"/>
           </a:p>
         </p:txBody>
       </p:sp>
@@ -2748,12 +2731,10 @@
         <p:spPr/>
         <p:txBody>
           <a:bodyPr/>
-          <a:lstStyle>
-            <a:extLst/>
-          </a:lstStyle>
-          <a:p>
-            <a:r>
-              <a:rPr kumimoji="0" lang="cs-CZ" smtClean="0"/>
+          <a:lstStyle/>
+          <a:p>
+            <a:r>
+              <a:rPr kumimoji="0" lang="cs-CZ"/>
               <a:t>Klepnutím lze upravit styl předlohy nadpisů.</a:t>
             </a:r>
             <a:endParaRPr kumimoji="0" lang="en-US"/>
@@ -2777,7 +2758,7 @@
           <a:p>
             <a:fld id="{1C0389EA-257F-415E-A5A1-21D2451FF710}" type="datetime1">
               <a:rPr lang="cs-CZ" smtClean="0"/>
-              <a:t>10.12.2019</a:t>
+              <a:t>11.12.2019</a:t>
             </a:fld>
             <a:endParaRPr lang="cs-CZ"/>
           </a:p>
@@ -2799,10 +2780,9 @@
           <a:lstStyle/>
           <a:p>
             <a:r>
-              <a:rPr lang="cs-CZ" smtClean="0"/>
+              <a:rPr lang="cs-CZ"/>
               <a:t>/20</a:t>
             </a:r>
-            <a:endParaRPr lang="cs-CZ"/>
           </a:p>
         </p:txBody>
       </p:sp>
@@ -2872,7 +2852,7 @@
           <a:p>
             <a:fld id="{874396E0-AC14-4274-AD9B-D1B7CBC62BC4}" type="datetime1">
               <a:rPr lang="cs-CZ" smtClean="0"/>
-              <a:t>10.12.2019</a:t>
+              <a:t>11.12.2019</a:t>
             </a:fld>
             <a:endParaRPr lang="cs-CZ"/>
           </a:p>
@@ -2894,10 +2874,9 @@
           <a:lstStyle/>
           <a:p>
             <a:r>
-              <a:rPr lang="cs-CZ" smtClean="0"/>
+              <a:rPr lang="cs-CZ"/>
               <a:t>/20</a:t>
             </a:r>
-            <a:endParaRPr lang="cs-CZ"/>
           </a:p>
         </p:txBody>
       </p:sp>
@@ -2979,7 +2958,7 @@
           </a:lstStyle>
           <a:p>
             <a:r>
-              <a:rPr kumimoji="0" lang="cs-CZ" smtClean="0"/>
+              <a:rPr kumimoji="0" lang="cs-CZ"/>
               <a:t>Klepnutím lze upravit styl předlohy nadpisů.</a:t>
             </a:r>
             <a:endParaRPr kumimoji="0" lang="en-US"/>
@@ -3037,35 +3016,35 @@
           <a:p>
             <a:pPr lvl="0" eaLnBrk="1" latinLnBrk="0" hangingPunct="1"/>
             <a:r>
-              <a:rPr lang="cs-CZ" smtClean="0"/>
+              <a:rPr lang="cs-CZ"/>
               <a:t>Klepnutím lze upravit styly předlohy textu.</a:t>
             </a:r>
           </a:p>
           <a:p>
             <a:pPr lvl="1" eaLnBrk="1" latinLnBrk="0" hangingPunct="1"/>
             <a:r>
-              <a:rPr lang="cs-CZ" smtClean="0"/>
+              <a:rPr lang="cs-CZ"/>
               <a:t>Druhá úroveň</a:t>
             </a:r>
           </a:p>
           <a:p>
             <a:pPr lvl="2" eaLnBrk="1" latinLnBrk="0" hangingPunct="1"/>
             <a:r>
-              <a:rPr lang="cs-CZ" smtClean="0"/>
+              <a:rPr lang="cs-CZ"/>
               <a:t>Třetí úroveň</a:t>
             </a:r>
           </a:p>
           <a:p>
             <a:pPr lvl="3" eaLnBrk="1" latinLnBrk="0" hangingPunct="1"/>
             <a:r>
-              <a:rPr lang="cs-CZ" smtClean="0"/>
+              <a:rPr lang="cs-CZ"/>
               <a:t>Čtvrtá úroveň</a:t>
             </a:r>
           </a:p>
           <a:p>
             <a:pPr lvl="4" eaLnBrk="1" latinLnBrk="0" hangingPunct="1"/>
             <a:r>
-              <a:rPr lang="cs-CZ" smtClean="0"/>
+              <a:rPr lang="cs-CZ"/>
               <a:t>Pátá úroveň</a:t>
             </a:r>
             <a:endParaRPr kumimoji="0" lang="en-US"/>
@@ -3132,7 +3111,7 @@
           <a:p>
             <a:pPr lvl="0" eaLnBrk="1" latinLnBrk="0" hangingPunct="1"/>
             <a:r>
-              <a:rPr kumimoji="0" lang="cs-CZ" smtClean="0"/>
+              <a:rPr kumimoji="0" lang="cs-CZ"/>
               <a:t>Klepnutím lze upravit styly předlohy textu.</a:t>
             </a:r>
           </a:p>
@@ -3155,7 +3134,7 @@
           <a:p>
             <a:fld id="{38C013BF-79C4-4AB5-9446-E30129AF4702}" type="datetime1">
               <a:rPr lang="cs-CZ" smtClean="0"/>
-              <a:t>10.12.2019</a:t>
+              <a:t>11.12.2019</a:t>
             </a:fld>
             <a:endParaRPr lang="cs-CZ"/>
           </a:p>
@@ -3177,10 +3156,9 @@
           <a:lstStyle/>
           <a:p>
             <a:r>
-              <a:rPr lang="cs-CZ" smtClean="0"/>
+              <a:rPr lang="cs-CZ"/>
               <a:t>/20</a:t>
             </a:r>
-            <a:endParaRPr lang="cs-CZ"/>
           </a:p>
         </p:txBody>
       </p:sp>
@@ -3246,9 +3224,7 @@
         </p:style>
         <p:txBody>
           <a:bodyPr rtlCol="0" anchor="ctr"/>
-          <a:lstStyle>
-            <a:extLst/>
-          </a:lstStyle>
+          <a:lstStyle/>
           <a:p>
             <a:pPr algn="ctr" eaLnBrk="1" latinLnBrk="0" hangingPunct="1"/>
             <a:endParaRPr kumimoji="0" lang="en-US"/>
@@ -3293,9 +3269,7 @@
         </p:style>
         <p:txBody>
           <a:bodyPr rtlCol="0" anchor="ctr"/>
-          <a:lstStyle>
-            <a:extLst/>
-          </a:lstStyle>
+          <a:lstStyle/>
           <a:p>
             <a:pPr algn="ctr" eaLnBrk="1" latinLnBrk="0" hangingPunct="1"/>
             <a:endParaRPr kumimoji="0" lang="en-US"/>
@@ -3360,7 +3334,7 @@
           </a:lstStyle>
           <a:p>
             <a:r>
-              <a:rPr kumimoji="0" lang="cs-CZ" smtClean="0"/>
+              <a:rPr kumimoji="0" lang="cs-CZ"/>
               <a:t>Klepnutím lze upravit styl předlohy nadpisů.</a:t>
             </a:r>
             <a:endParaRPr kumimoji="0" lang="en-US"/>
@@ -3431,7 +3405,7 @@
           </a:lstStyle>
           <a:p>
             <a:r>
-              <a:rPr kumimoji="0" lang="cs-CZ" smtClean="0"/>
+              <a:rPr kumimoji="0" lang="cs-CZ"/>
               <a:t>Klepnutím na ikonu přidáte obrázek.</a:t>
             </a:r>
             <a:endParaRPr kumimoji="0" lang="en-US" dirty="0"/>
@@ -3498,7 +3472,7 @@
           <a:p>
             <a:pPr lvl="0" eaLnBrk="1" latinLnBrk="0" hangingPunct="1"/>
             <a:r>
-              <a:rPr kumimoji="0" lang="cs-CZ" smtClean="0"/>
+              <a:rPr kumimoji="0" lang="cs-CZ"/>
               <a:t>Klepnutím lze upravit styly předlohy textu.</a:t>
             </a:r>
           </a:p>
@@ -3526,7 +3500,7 @@
           <a:p>
             <a:fld id="{AB3114D2-A3B9-4BD1-9F33-13DBB09A407C}" type="datetime1">
               <a:rPr lang="cs-CZ" smtClean="0"/>
-              <a:t>10.12.2019</a:t>
+              <a:t>11.12.2019</a:t>
             </a:fld>
             <a:endParaRPr lang="cs-CZ"/>
           </a:p>
@@ -3570,9 +3544,7 @@
         </p:style>
         <p:txBody>
           <a:bodyPr rtlCol="0" anchor="ctr"/>
-          <a:lstStyle>
-            <a:extLst/>
-          </a:lstStyle>
+          <a:lstStyle/>
           <a:p>
             <a:pPr algn="ctr" eaLnBrk="1" latinLnBrk="0" hangingPunct="1"/>
             <a:endParaRPr kumimoji="0" lang="en-US"/>
@@ -3617,9 +3589,7 @@
         </p:style>
         <p:txBody>
           <a:bodyPr rtlCol="0" anchor="ctr"/>
-          <a:lstStyle>
-            <a:extLst/>
-          </a:lstStyle>
+          <a:lstStyle/>
           <a:p>
             <a:pPr algn="ctr" eaLnBrk="1" latinLnBrk="0" hangingPunct="1"/>
             <a:endParaRPr kumimoji="0" lang="en-US"/>
@@ -3657,10 +3627,9 @@
           </a:lstStyle>
           <a:p>
             <a:r>
-              <a:rPr lang="cs-CZ" smtClean="0"/>
+              <a:rPr lang="cs-CZ"/>
               <a:t>/20</a:t>
             </a:r>
-            <a:endParaRPr lang="cs-CZ"/>
           </a:p>
         </p:txBody>
       </p:sp>
@@ -3768,9 +3737,7 @@
         </p:style>
         <p:txBody>
           <a:bodyPr rtlCol="0" anchor="ctr"/>
-          <a:lstStyle>
-            <a:extLst/>
-          </a:lstStyle>
+          <a:lstStyle/>
           <a:p>
             <a:pPr algn="ctr" eaLnBrk="1" latinLnBrk="0" hangingPunct="1"/>
             <a:endParaRPr kumimoji="0" lang="en-US"/>
@@ -3815,9 +3782,7 @@
         </p:style>
         <p:txBody>
           <a:bodyPr rtlCol="0" anchor="ctr"/>
-          <a:lstStyle>
-            <a:extLst/>
-          </a:lstStyle>
+          <a:lstStyle/>
           <a:p>
             <a:pPr algn="ctr" eaLnBrk="1" latinLnBrk="0" hangingPunct="1"/>
             <a:endParaRPr kumimoji="0" lang="en-US"/>
@@ -3856,12 +3821,10 @@
               <a:bevelT w="50800" h="10160"/>
             </a:sp3d>
           </a:bodyPr>
-          <a:lstStyle>
-            <a:extLst/>
-          </a:lstStyle>
-          <a:p>
-            <a:r>
-              <a:rPr kumimoji="0" lang="cs-CZ" smtClean="0"/>
+          <a:lstStyle/>
+          <a:p>
+            <a:r>
+              <a:rPr kumimoji="0" lang="cs-CZ"/>
               <a:t>Klepnutím lze upravit styl předlohy nadpisů.</a:t>
             </a:r>
             <a:endParaRPr kumimoji="0" lang="en-US"/>
@@ -3891,41 +3854,39 @@
           <a:bodyPr vert="horz" lIns="54864" tIns="91440" rtlCol="0">
             <a:normAutofit/>
           </a:bodyPr>
-          <a:lstStyle>
-            <a:extLst/>
-          </a:lstStyle>
+          <a:lstStyle/>
           <a:p>
             <a:pPr lvl="0" eaLnBrk="1" latinLnBrk="0" hangingPunct="1"/>
             <a:r>
-              <a:rPr kumimoji="0" lang="cs-CZ" smtClean="0"/>
+              <a:rPr kumimoji="0" lang="cs-CZ"/>
               <a:t>Klepnutím lze upravit styly předlohy textu.</a:t>
             </a:r>
           </a:p>
           <a:p>
             <a:pPr lvl="1" eaLnBrk="1" latinLnBrk="0" hangingPunct="1"/>
             <a:r>
-              <a:rPr kumimoji="0" lang="cs-CZ" smtClean="0"/>
+              <a:rPr kumimoji="0" lang="cs-CZ"/>
               <a:t>Druhá úroveň</a:t>
             </a:r>
           </a:p>
           <a:p>
             <a:pPr lvl="2" eaLnBrk="1" latinLnBrk="0" hangingPunct="1"/>
             <a:r>
-              <a:rPr kumimoji="0" lang="cs-CZ" smtClean="0"/>
+              <a:rPr kumimoji="0" lang="cs-CZ"/>
               <a:t>Třetí úroveň</a:t>
             </a:r>
           </a:p>
           <a:p>
             <a:pPr lvl="3" eaLnBrk="1" latinLnBrk="0" hangingPunct="1"/>
             <a:r>
-              <a:rPr kumimoji="0" lang="cs-CZ" smtClean="0"/>
+              <a:rPr kumimoji="0" lang="cs-CZ"/>
               <a:t>Čtvrtá úroveň</a:t>
             </a:r>
           </a:p>
           <a:p>
             <a:pPr lvl="4" eaLnBrk="1" latinLnBrk="0" hangingPunct="1"/>
             <a:r>
-              <a:rPr kumimoji="0" lang="cs-CZ" smtClean="0"/>
+              <a:rPr kumimoji="0" lang="cs-CZ"/>
               <a:t>Pátá úroveň</a:t>
             </a:r>
             <a:endParaRPr kumimoji="0" lang="en-US"/>
@@ -3968,7 +3929,7 @@
           <a:p>
             <a:fld id="{D927A161-2F49-4051-9663-D9A5AB1B412D}" type="datetime1">
               <a:rPr lang="cs-CZ" smtClean="0"/>
-              <a:t>10.12.2019</a:t>
+              <a:t>11.12.2019</a:t>
             </a:fld>
             <a:endParaRPr lang="cs-CZ"/>
           </a:p>
@@ -4009,10 +3970,9 @@
           </a:lstStyle>
           <a:p>
             <a:r>
-              <a:rPr lang="cs-CZ" smtClean="0"/>
+              <a:rPr lang="cs-CZ"/>
               <a:t>/20</a:t>
             </a:r>
-            <a:endParaRPr lang="cs-CZ"/>
           </a:p>
         </p:txBody>
       </p:sp>
@@ -4396,10 +4356,9 @@
           <a:lstStyle/>
           <a:p>
             <a:r>
-              <a:rPr lang="cs-CZ" dirty="0" smtClean="0"/>
+              <a:rPr lang="cs-CZ" dirty="0"/>
               <a:t>Implementace překladače imperativního jazyka IFJ19</a:t>
             </a:r>
-            <a:endParaRPr lang="cs-CZ" dirty="0"/>
           </a:p>
         </p:txBody>
       </p:sp>
@@ -4421,30 +4380,16 @@
           <a:lstStyle/>
           <a:p>
             <a:r>
-              <a:rPr lang="cs-CZ" dirty="0" smtClean="0">
+              <a:rPr lang="cs-CZ" dirty="0">
                 <a:latin typeface="Arial" pitchFamily="34" charset="0"/>
                 <a:cs typeface="Arial" pitchFamily="34" charset="0"/>
               </a:rPr>
-              <a:t>Diviš Jan	</a:t>
-            </a:r>
-            <a:r>
-              <a:rPr lang="cs-CZ" dirty="0" smtClean="0">
-                <a:latin typeface="Arial" pitchFamily="34" charset="0"/>
-                <a:cs typeface="Arial" pitchFamily="34" charset="0"/>
-              </a:rPr>
-              <a:t>xdivis12</a:t>
-            </a:r>
-            <a:r>
-              <a:rPr lang="cs-CZ" dirty="0" smtClean="0">
-                <a:latin typeface="Arial" pitchFamily="34" charset="0"/>
-                <a:cs typeface="Arial" pitchFamily="34" charset="0"/>
-              </a:rPr>
-              <a:t>					</a:t>
-            </a:r>
-          </a:p>
-          <a:p>
-            <a:r>
-              <a:rPr lang="cs-CZ" dirty="0" smtClean="0">
+              <a:t>Diviš Jan	xdivis12					</a:t>
+            </a:r>
+          </a:p>
+          <a:p>
+            <a:r>
+              <a:rPr lang="cs-CZ" dirty="0">
                 <a:latin typeface="Arial" pitchFamily="34" charset="0"/>
                 <a:cs typeface="Arial" pitchFamily="34" charset="0"/>
               </a:rPr>
@@ -4453,14 +4398,14 @@
           </a:p>
           <a:p>
             <a:r>
-              <a:rPr lang="cs-CZ" dirty="0" err="1" smtClean="0">
+              <a:rPr lang="cs-CZ" dirty="0" err="1">
                 <a:latin typeface="Arial" pitchFamily="34" charset="0"/>
                 <a:cs typeface="Arial" pitchFamily="34" charset="0"/>
               </a:rPr>
               <a:t>Pojsl</a:t>
             </a:r>
             <a:r>
-              <a:rPr lang="cs-CZ" dirty="0" smtClean="0">
+              <a:rPr lang="cs-CZ" dirty="0">
                 <a:latin typeface="Arial" pitchFamily="34" charset="0"/>
                 <a:cs typeface="Arial" pitchFamily="34" charset="0"/>
               </a:rPr>
@@ -4469,14 +4414,14 @@
           </a:p>
           <a:p>
             <a:r>
-              <a:rPr lang="cs-CZ" dirty="0" err="1" smtClean="0">
+              <a:rPr lang="cs-CZ" dirty="0" err="1">
                 <a:latin typeface="Arial" pitchFamily="34" charset="0"/>
                 <a:cs typeface="Arial" pitchFamily="34" charset="0"/>
               </a:rPr>
               <a:t>Sasín</a:t>
             </a:r>
             <a:r>
-              <a:rPr lang="cs-CZ" dirty="0" smtClean="0">
+              <a:rPr lang="cs-CZ" dirty="0">
                 <a:latin typeface="Arial" pitchFamily="34" charset="0"/>
                 <a:cs typeface="Arial" pitchFamily="34" charset="0"/>
               </a:rPr>
@@ -4485,16 +4430,12 @@
           </a:p>
           <a:p>
             <a:r>
-              <a:rPr lang="cs-CZ" dirty="0" smtClean="0">
+              <a:rPr lang="cs-CZ" dirty="0">
                 <a:latin typeface="Arial" pitchFamily="34" charset="0"/>
                 <a:cs typeface="Arial" pitchFamily="34" charset="0"/>
               </a:rPr>
               <a:t>12. 12. 2019</a:t>
             </a:r>
-            <a:endParaRPr lang="cs-CZ" dirty="0">
-              <a:latin typeface="Arial" pitchFamily="34" charset="0"/>
-              <a:cs typeface="Arial" pitchFamily="34" charset="0"/>
-            </a:endParaRPr>
           </a:p>
         </p:txBody>
       </p:sp>
@@ -4563,64 +4504,88 @@
           <a:lstStyle/>
           <a:p>
             <a:r>
-              <a:rPr lang="cs-CZ" dirty="0" smtClean="0"/>
-              <a:t>5) Pomocné datové struktury</a:t>
-            </a:r>
+              <a:rPr lang="cs-CZ" dirty="0"/>
+              <a:t>4) Generování kódu</a:t>
+            </a:r>
+          </a:p>
+        </p:txBody>
+      </p:sp>
+      <p:sp>
+        <p:nvSpPr>
+          <p:cNvPr id="3" name="Zástupný symbol pro obsah 2"/>
+          <p:cNvSpPr>
+            <a:spLocks noGrp="1"/>
+          </p:cNvSpPr>
+          <p:nvPr>
+            <p:ph idx="1"/>
+          </p:nvPr>
+        </p:nvSpPr>
+        <p:spPr/>
+        <p:txBody>
+          <a:bodyPr/>
+          <a:lstStyle/>
+          <a:p>
+            <a:r>
+              <a:rPr lang="cs-CZ" dirty="0" err="1"/>
+              <a:t>Generator.c</a:t>
+            </a:r>
+            <a:r>
+              <a:rPr lang="cs-CZ" dirty="0"/>
+              <a:t> – vestavěné a pomocné funkce (kontroly typů atd.)</a:t>
+            </a:r>
+          </a:p>
+          <a:p>
             <a:endParaRPr lang="cs-CZ" dirty="0"/>
           </a:p>
-        </p:txBody>
-      </p:sp>
-      <p:sp>
-        <p:nvSpPr>
-          <p:cNvPr id="3" name="Zástupný symbol pro obsah 2"/>
-          <p:cNvSpPr>
-            <a:spLocks noGrp="1"/>
-          </p:cNvSpPr>
-          <p:nvPr>
-            <p:ph idx="1"/>
-          </p:nvPr>
-        </p:nvSpPr>
-        <p:spPr/>
-        <p:txBody>
-          <a:bodyPr/>
-          <a:lstStyle/>
-          <a:p>
-            <a:r>
-              <a:rPr lang="cs-CZ" dirty="0" smtClean="0"/>
-              <a:t>Na základě principů IAL</a:t>
-            </a:r>
-          </a:p>
-          <a:p>
-            <a:endParaRPr lang="cs-CZ" dirty="0" smtClean="0"/>
-          </a:p>
-          <a:p>
-            <a:r>
-              <a:rPr lang="cs-CZ" dirty="0" smtClean="0"/>
-              <a:t>Zásobník</a:t>
-            </a:r>
-          </a:p>
-          <a:p>
-            <a:endParaRPr lang="cs-CZ" dirty="0" smtClean="0"/>
-          </a:p>
-          <a:p>
-            <a:r>
-              <a:rPr lang="cs-CZ" dirty="0" smtClean="0"/>
-              <a:t>Dynamický řetězec</a:t>
-            </a:r>
-          </a:p>
-          <a:p>
-            <a:endParaRPr lang="cs-CZ" dirty="0" smtClean="0"/>
-          </a:p>
-          <a:p>
-            <a:r>
-              <a:rPr lang="cs-CZ" dirty="0" smtClean="0"/>
-              <a:t>Seznam </a:t>
-            </a:r>
-            <a:r>
-              <a:rPr lang="cs-CZ" dirty="0" err="1" smtClean="0"/>
-              <a:t>tokenů</a:t>
+          <a:p>
+            <a:r>
+              <a:rPr lang="cs-CZ" dirty="0"/>
+              <a:t>Funkce </a:t>
+            </a:r>
+            <a:r>
+              <a:rPr lang="cs-CZ" dirty="0" err="1"/>
+              <a:t>token_to_ifjcode_val</a:t>
             </a:r>
             <a:endParaRPr lang="cs-CZ" dirty="0"/>
+          </a:p>
+          <a:p>
+            <a:endParaRPr lang="cs-CZ" dirty="0"/>
+          </a:p>
+          <a:p>
+            <a:r>
+              <a:rPr lang="cs-CZ" dirty="0"/>
+              <a:t>Tisk přímo na </a:t>
+            </a:r>
+            <a:r>
+              <a:rPr lang="cs-CZ" dirty="0" err="1"/>
+              <a:t>stdout</a:t>
+            </a:r>
+            <a:endParaRPr lang="cs-CZ" dirty="0"/>
+          </a:p>
+          <a:p>
+            <a:endParaRPr lang="cs-CZ" dirty="0"/>
+          </a:p>
+          <a:p>
+            <a:r>
+              <a:rPr lang="cs-CZ" dirty="0"/>
+              <a:t>Hlavní tělo – </a:t>
+            </a:r>
+            <a:r>
+              <a:rPr lang="cs-CZ" dirty="0" err="1"/>
+              <a:t>built</a:t>
+            </a:r>
+            <a:r>
+              <a:rPr lang="cs-CZ" dirty="0"/>
+              <a:t>-in funkce, globální proměnné interpretu, skok do „</a:t>
+            </a:r>
+            <a:r>
+              <a:rPr lang="cs-CZ" dirty="0" err="1"/>
+              <a:t>mainu</a:t>
+            </a:r>
+            <a:r>
+              <a:rPr lang="cs-CZ" dirty="0"/>
+              <a:t>“</a:t>
+            </a:r>
           </a:p>
         </p:txBody>
       </p:sp>
@@ -4689,65 +4654,61 @@
           <a:lstStyle/>
           <a:p>
             <a:r>
-              <a:rPr lang="cs-CZ" dirty="0" smtClean="0"/>
+              <a:rPr lang="cs-CZ" dirty="0"/>
               <a:t>5) Pomocné datové struktury</a:t>
             </a:r>
+          </a:p>
+        </p:txBody>
+      </p:sp>
+      <p:sp>
+        <p:nvSpPr>
+          <p:cNvPr id="3" name="Zástupný symbol pro obsah 2"/>
+          <p:cNvSpPr>
+            <a:spLocks noGrp="1"/>
+          </p:cNvSpPr>
+          <p:nvPr>
+            <p:ph idx="1"/>
+          </p:nvPr>
+        </p:nvSpPr>
+        <p:spPr/>
+        <p:txBody>
+          <a:bodyPr/>
+          <a:lstStyle/>
+          <a:p>
+            <a:r>
+              <a:rPr lang="cs-CZ" dirty="0"/>
+              <a:t>Na základě principů IAL</a:t>
+            </a:r>
+          </a:p>
+          <a:p>
             <a:endParaRPr lang="cs-CZ" dirty="0"/>
           </a:p>
-        </p:txBody>
-      </p:sp>
-      <p:sp>
-        <p:nvSpPr>
-          <p:cNvPr id="3" name="Zástupný symbol pro obsah 2"/>
-          <p:cNvSpPr>
-            <a:spLocks noGrp="1"/>
-          </p:cNvSpPr>
-          <p:nvPr>
-            <p:ph idx="1"/>
-          </p:nvPr>
-        </p:nvSpPr>
-        <p:spPr/>
-        <p:txBody>
-          <a:bodyPr/>
-          <a:lstStyle/>
-          <a:p>
-            <a:r>
-              <a:rPr lang="cs-CZ" dirty="0" smtClean="0"/>
-              <a:t>Tabulka symbolů</a:t>
-            </a:r>
-            <a:endParaRPr lang="cs-CZ" dirty="0" smtClean="0"/>
-          </a:p>
-          <a:p>
-            <a:pPr lvl="1"/>
-            <a:r>
-              <a:rPr lang="cs-CZ" dirty="0" smtClean="0"/>
-              <a:t>Binární vyhledávací strom</a:t>
-            </a:r>
-          </a:p>
-          <a:p>
-            <a:pPr lvl="1"/>
-            <a:endParaRPr lang="cs-CZ" dirty="0" smtClean="0"/>
-          </a:p>
-          <a:p>
-            <a:pPr lvl="1"/>
-            <a:r>
-              <a:rPr lang="cs-CZ" dirty="0" smtClean="0"/>
-              <a:t>Část rekurzivní, část nerekurzivní</a:t>
-            </a:r>
-          </a:p>
-          <a:p>
-            <a:pPr lvl="1"/>
-            <a:endParaRPr lang="cs-CZ" dirty="0" smtClean="0"/>
-          </a:p>
-          <a:p>
-            <a:pPr lvl="1"/>
-            <a:r>
-              <a:rPr lang="cs-CZ" dirty="0" smtClean="0"/>
-              <a:t>Struktura </a:t>
-            </a:r>
-            <a:r>
-              <a:rPr lang="cs-CZ" dirty="0" err="1" smtClean="0"/>
-              <a:t>Symdata</a:t>
+          <a:p>
+            <a:r>
+              <a:rPr lang="cs-CZ" dirty="0"/>
+              <a:t>Zásobník</a:t>
+            </a:r>
+          </a:p>
+          <a:p>
+            <a:endParaRPr lang="cs-CZ" dirty="0"/>
+          </a:p>
+          <a:p>
+            <a:r>
+              <a:rPr lang="cs-CZ" dirty="0"/>
+              <a:t>Dynamický řetězec</a:t>
+            </a:r>
+          </a:p>
+          <a:p>
+            <a:endParaRPr lang="cs-CZ" dirty="0"/>
+          </a:p>
+          <a:p>
+            <a:r>
+              <a:rPr lang="cs-CZ" dirty="0"/>
+              <a:t>Seznam </a:t>
+            </a:r>
+            <a:r>
+              <a:rPr lang="cs-CZ" dirty="0" err="1"/>
+              <a:t>tokenů</a:t>
             </a:r>
             <a:endParaRPr lang="cs-CZ" dirty="0"/>
           </a:p>
@@ -4818,52 +4779,69 @@
           <a:lstStyle/>
           <a:p>
             <a:r>
-              <a:rPr lang="cs-CZ" dirty="0" smtClean="0"/>
-              <a:t>Závěr</a:t>
-            </a:r>
+              <a:rPr lang="cs-CZ" dirty="0"/>
+              <a:t>5) Pomocné datové struktury</a:t>
+            </a:r>
+          </a:p>
+        </p:txBody>
+      </p:sp>
+      <p:sp>
+        <p:nvSpPr>
+          <p:cNvPr id="3" name="Zástupný symbol pro obsah 2"/>
+          <p:cNvSpPr>
+            <a:spLocks noGrp="1"/>
+          </p:cNvSpPr>
+          <p:nvPr>
+            <p:ph idx="1"/>
+          </p:nvPr>
+        </p:nvSpPr>
+        <p:spPr/>
+        <p:txBody>
+          <a:bodyPr/>
+          <a:lstStyle/>
+          <a:p>
+            <a:r>
+              <a:rPr lang="cs-CZ" dirty="0"/>
+              <a:t>Tabulka symbolů</a:t>
+            </a:r>
+          </a:p>
+          <a:p>
+            <a:pPr marL="118872" indent="0">
+              <a:buNone/>
+            </a:pPr>
             <a:endParaRPr lang="cs-CZ" dirty="0"/>
           </a:p>
-        </p:txBody>
-      </p:sp>
-      <p:sp>
-        <p:nvSpPr>
-          <p:cNvPr id="3" name="Zástupný symbol pro obsah 2"/>
-          <p:cNvSpPr>
-            <a:spLocks noGrp="1"/>
-          </p:cNvSpPr>
-          <p:nvPr>
-            <p:ph idx="1"/>
-          </p:nvPr>
-        </p:nvSpPr>
-        <p:spPr/>
-        <p:txBody>
-          <a:bodyPr/>
-          <a:lstStyle/>
-          <a:p>
-            <a:endParaRPr lang="cs-CZ" dirty="0" smtClean="0"/>
-          </a:p>
-          <a:p>
-            <a:endParaRPr lang="cs-CZ" dirty="0" smtClean="0"/>
-          </a:p>
-          <a:p>
-            <a:endParaRPr lang="cs-CZ" dirty="0" smtClean="0"/>
-          </a:p>
-          <a:p>
-            <a:endParaRPr lang="cs-CZ" dirty="0" smtClean="0"/>
-          </a:p>
-          <a:p>
-            <a:endParaRPr lang="cs-CZ" dirty="0" smtClean="0"/>
-          </a:p>
-          <a:p>
-            <a:endParaRPr lang="cs-CZ" dirty="0" smtClean="0"/>
-          </a:p>
-          <a:p>
-            <a:endParaRPr lang="cs-CZ" dirty="0" smtClean="0"/>
-          </a:p>
-          <a:p>
-            <a:r>
-              <a:rPr lang="cs-CZ" dirty="0" smtClean="0"/>
-              <a:t>Děkuji za pozornost</a:t>
+          <a:p>
+            <a:pPr lvl="1"/>
+            <a:r>
+              <a:rPr lang="cs-CZ" dirty="0"/>
+              <a:t>Binární vyhledávací strom</a:t>
+            </a:r>
+          </a:p>
+          <a:p>
+            <a:pPr lvl="1"/>
+            <a:endParaRPr lang="cs-CZ" dirty="0"/>
+          </a:p>
+          <a:p>
+            <a:pPr lvl="1"/>
+            <a:r>
+              <a:rPr lang="cs-CZ" dirty="0"/>
+              <a:t>Část rekurzivní, část nerekurzivní</a:t>
+            </a:r>
+          </a:p>
+          <a:p>
+            <a:pPr lvl="1"/>
+            <a:endParaRPr lang="cs-CZ" dirty="0"/>
+          </a:p>
+          <a:p>
+            <a:pPr lvl="1"/>
+            <a:r>
+              <a:rPr lang="cs-CZ" dirty="0"/>
+              <a:t>Struktura </a:t>
+            </a:r>
+            <a:r>
+              <a:rPr lang="cs-CZ" dirty="0" err="1"/>
+              <a:t>Symdata</a:t>
             </a:r>
             <a:endParaRPr lang="cs-CZ" dirty="0"/>
           </a:p>
@@ -4888,6 +4866,120 @@
               <a:rPr lang="cs-CZ" smtClean="0"/>
               <a:pPr/>
               <a:t>12</a:t>
+            </a:fld>
+            <a:endParaRPr lang="cs-CZ"/>
+          </a:p>
+        </p:txBody>
+      </p:sp>
+    </p:spTree>
+  </p:cSld>
+  <p:clrMapOvr>
+    <a:masterClrMapping/>
+  </p:clrMapOvr>
+</p:sld>
+</file>
+
+<file path=ppt/slides/slide13.xml><?xml version="1.0" encoding="utf-8"?>
+<p:sld xmlns:a="http://schemas.openxmlformats.org/drawingml/2006/main" xmlns:r="http://schemas.openxmlformats.org/officeDocument/2006/relationships" xmlns:p="http://schemas.openxmlformats.org/presentationml/2006/main">
+  <p:cSld>
+    <p:spTree>
+      <p:nvGrpSpPr>
+        <p:cNvPr id="1" name=""/>
+        <p:cNvGrpSpPr/>
+        <p:nvPr/>
+      </p:nvGrpSpPr>
+      <p:grpSpPr>
+        <a:xfrm>
+          <a:off x="0" y="0"/>
+          <a:ext cx="0" cy="0"/>
+          <a:chOff x="0" y="0"/>
+          <a:chExt cx="0" cy="0"/>
+        </a:xfrm>
+      </p:grpSpPr>
+      <p:sp>
+        <p:nvSpPr>
+          <p:cNvPr id="2" name="Nadpis 1"/>
+          <p:cNvSpPr>
+            <a:spLocks noGrp="1"/>
+          </p:cNvSpPr>
+          <p:nvPr>
+            <p:ph type="title"/>
+          </p:nvPr>
+        </p:nvSpPr>
+        <p:spPr/>
+        <p:txBody>
+          <a:bodyPr/>
+          <a:lstStyle/>
+          <a:p>
+            <a:r>
+              <a:rPr lang="cs-CZ" dirty="0"/>
+              <a:t>Závěr</a:t>
+            </a:r>
+          </a:p>
+        </p:txBody>
+      </p:sp>
+      <p:sp>
+        <p:nvSpPr>
+          <p:cNvPr id="3" name="Zástupný symbol pro obsah 2"/>
+          <p:cNvSpPr>
+            <a:spLocks noGrp="1"/>
+          </p:cNvSpPr>
+          <p:nvPr>
+            <p:ph idx="1"/>
+          </p:nvPr>
+        </p:nvSpPr>
+        <p:spPr/>
+        <p:txBody>
+          <a:bodyPr/>
+          <a:lstStyle/>
+          <a:p>
+            <a:endParaRPr lang="cs-CZ" dirty="0"/>
+          </a:p>
+          <a:p>
+            <a:endParaRPr lang="cs-CZ" dirty="0"/>
+          </a:p>
+          <a:p>
+            <a:endParaRPr lang="cs-CZ" dirty="0"/>
+          </a:p>
+          <a:p>
+            <a:endParaRPr lang="cs-CZ" dirty="0"/>
+          </a:p>
+          <a:p>
+            <a:endParaRPr lang="cs-CZ" dirty="0"/>
+          </a:p>
+          <a:p>
+            <a:endParaRPr lang="cs-CZ" dirty="0"/>
+          </a:p>
+          <a:p>
+            <a:endParaRPr lang="cs-CZ" dirty="0"/>
+          </a:p>
+          <a:p>
+            <a:r>
+              <a:rPr lang="cs-CZ" dirty="0"/>
+              <a:t>Děkuji za pozornost</a:t>
+            </a:r>
+          </a:p>
+        </p:txBody>
+      </p:sp>
+      <p:sp>
+        <p:nvSpPr>
+          <p:cNvPr id="4" name="Zástupný symbol pro číslo snímku 3"/>
+          <p:cNvSpPr>
+            <a:spLocks noGrp="1"/>
+          </p:cNvSpPr>
+          <p:nvPr>
+            <p:ph type="sldNum" sz="quarter" idx="12"/>
+          </p:nvPr>
+        </p:nvSpPr>
+        <p:spPr/>
+        <p:txBody>
+          <a:bodyPr/>
+          <a:lstStyle/>
+          <a:p>
+            <a:fld id="{20264769-77EF-4CD0-90DE-F7D7F2D423C4}" type="slidenum">
+              <a:rPr lang="cs-CZ" smtClean="0"/>
+              <a:pPr/>
+              <a:t>13</a:t>
             </a:fld>
             <a:endParaRPr lang="cs-CZ"/>
           </a:p>
@@ -4934,51 +5026,49 @@
           <a:lstStyle/>
           <a:p>
             <a:r>
-              <a:rPr lang="cs-CZ" dirty="0" smtClean="0"/>
+              <a:rPr lang="cs-CZ" dirty="0"/>
               <a:t>Práce v týmu</a:t>
             </a:r>
+          </a:p>
+        </p:txBody>
+      </p:sp>
+      <p:sp>
+        <p:nvSpPr>
+          <p:cNvPr id="3" name="Zástupný symbol pro obsah 2"/>
+          <p:cNvSpPr>
+            <a:spLocks noGrp="1"/>
+          </p:cNvSpPr>
+          <p:nvPr>
+            <p:ph idx="1"/>
+          </p:nvPr>
+        </p:nvSpPr>
+        <p:spPr/>
+        <p:txBody>
+          <a:bodyPr/>
+          <a:lstStyle/>
+          <a:p>
+            <a:r>
+              <a:rPr lang="cs-CZ" dirty="0"/>
+              <a:t>Rozdělení</a:t>
+            </a:r>
+          </a:p>
+          <a:p>
             <a:endParaRPr lang="cs-CZ" dirty="0"/>
           </a:p>
-        </p:txBody>
-      </p:sp>
-      <p:sp>
-        <p:nvSpPr>
-          <p:cNvPr id="3" name="Zástupný symbol pro obsah 2"/>
-          <p:cNvSpPr>
-            <a:spLocks noGrp="1"/>
-          </p:cNvSpPr>
-          <p:nvPr>
-            <p:ph idx="1"/>
-          </p:nvPr>
-        </p:nvSpPr>
-        <p:spPr/>
-        <p:txBody>
-          <a:bodyPr/>
-          <a:lstStyle/>
-          <a:p>
-            <a:r>
-              <a:rPr lang="cs-CZ" dirty="0" smtClean="0"/>
-              <a:t>Rozdělení</a:t>
-            </a:r>
-          </a:p>
-          <a:p>
-            <a:endParaRPr lang="cs-CZ" dirty="0" smtClean="0"/>
-          </a:p>
-          <a:p>
-            <a:r>
-              <a:rPr lang="cs-CZ" dirty="0" smtClean="0"/>
+          <a:p>
+            <a:r>
+              <a:rPr lang="cs-CZ" dirty="0"/>
               <a:t>Komunikace</a:t>
             </a:r>
           </a:p>
           <a:p>
-            <a:endParaRPr lang="cs-CZ" dirty="0" smtClean="0"/>
-          </a:p>
-          <a:p>
-            <a:r>
-              <a:rPr lang="cs-CZ" dirty="0" smtClean="0"/>
+            <a:endParaRPr lang="cs-CZ" dirty="0"/>
+          </a:p>
+          <a:p>
+            <a:r>
+              <a:rPr lang="cs-CZ" dirty="0"/>
               <a:t>Správa kódu</a:t>
             </a:r>
-            <a:endParaRPr lang="cs-CZ" dirty="0"/>
           </a:p>
         </p:txBody>
       </p:sp>
@@ -5047,10 +5137,9 @@
           <a:lstStyle/>
           <a:p>
             <a:r>
-              <a:rPr lang="cs-CZ" dirty="0" smtClean="0"/>
+              <a:rPr lang="cs-CZ" dirty="0"/>
               <a:t>Implementace</a:t>
             </a:r>
-            <a:endParaRPr lang="cs-CZ" dirty="0"/>
           </a:p>
         </p:txBody>
       </p:sp>
@@ -5070,45 +5159,44 @@
           <a:lstStyle/>
           <a:p>
             <a:r>
-              <a:rPr lang="cs-CZ" dirty="0" smtClean="0"/>
+              <a:rPr lang="cs-CZ" dirty="0"/>
               <a:t>Části:</a:t>
             </a:r>
           </a:p>
           <a:p>
             <a:pPr lvl="1"/>
             <a:r>
-              <a:rPr lang="cs-CZ" dirty="0" smtClean="0"/>
+              <a:rPr lang="cs-CZ" dirty="0"/>
               <a:t>1) Lexikální analýza</a:t>
             </a:r>
           </a:p>
           <a:p>
             <a:pPr lvl="1"/>
             <a:r>
-              <a:rPr lang="cs-CZ" dirty="0" smtClean="0"/>
+              <a:rPr lang="cs-CZ" dirty="0"/>
               <a:t>2) Syntaktická analýza</a:t>
             </a:r>
           </a:p>
           <a:p>
             <a:pPr lvl="1"/>
             <a:r>
-              <a:rPr lang="cs-CZ" dirty="0" smtClean="0"/>
+              <a:rPr lang="cs-CZ" dirty="0"/>
               <a:t>3) Sémantická analýza</a:t>
             </a:r>
           </a:p>
           <a:p>
             <a:pPr lvl="1"/>
             <a:r>
-              <a:rPr lang="cs-CZ" dirty="0" smtClean="0"/>
+              <a:rPr lang="cs-CZ" dirty="0"/>
               <a:t>4) Generování kódu</a:t>
             </a:r>
           </a:p>
           <a:p>
             <a:pPr lvl="1"/>
             <a:r>
-              <a:rPr lang="cs-CZ" dirty="0" smtClean="0"/>
+              <a:rPr lang="cs-CZ" dirty="0"/>
               <a:t>5) Pomocné datové struktury</a:t>
             </a:r>
-            <a:endParaRPr lang="cs-CZ" dirty="0"/>
           </a:p>
         </p:txBody>
       </p:sp>
@@ -5223,8 +5311,8 @@
         </p:blipFill>
         <p:spPr bwMode="auto">
           <a:xfrm>
-            <a:off x="1947009" y="1774825"/>
-            <a:ext cx="5249982" cy="4625975"/>
+            <a:off x="1691680" y="1556792"/>
+            <a:ext cx="5760640" cy="5075937"/>
           </a:xfrm>
           <a:prstGeom prst="rect">
             <a:avLst/>
@@ -5325,8 +5413,8 @@
         </p:blipFill>
         <p:spPr bwMode="auto">
           <a:xfrm>
-            <a:off x="1715845" y="1774825"/>
-            <a:ext cx="5712310" cy="4625975"/>
+            <a:off x="1625686" y="1712069"/>
+            <a:ext cx="5892627" cy="4772000"/>
           </a:xfrm>
           <a:prstGeom prst="rect">
             <a:avLst/>
@@ -5381,93 +5469,91 @@
           <a:lstStyle/>
           <a:p>
             <a:r>
-              <a:rPr lang="cs-CZ" dirty="0" smtClean="0"/>
+              <a:rPr lang="cs-CZ" dirty="0"/>
               <a:t>1) Lexikální analýza</a:t>
             </a:r>
+          </a:p>
+        </p:txBody>
+      </p:sp>
+      <p:sp>
+        <p:nvSpPr>
+          <p:cNvPr id="3" name="Zástupný symbol pro obsah 2"/>
+          <p:cNvSpPr>
+            <a:spLocks noGrp="1"/>
+          </p:cNvSpPr>
+          <p:nvPr>
+            <p:ph idx="1"/>
+          </p:nvPr>
+        </p:nvSpPr>
+        <p:spPr/>
+        <p:txBody>
+          <a:bodyPr/>
+          <a:lstStyle/>
+          <a:p>
+            <a:r>
+              <a:rPr lang="cs-CZ" dirty="0"/>
+              <a:t>Scanner.c</a:t>
+            </a:r>
+          </a:p>
+          <a:p>
+            <a:pPr lvl="1">
+              <a:buNone/>
+            </a:pPr>
+            <a:r>
+              <a:rPr lang="cs-CZ" dirty="0"/>
+              <a:t>+ zásobník a dynamický řetězec</a:t>
+            </a:r>
+          </a:p>
+          <a:p>
             <a:endParaRPr lang="cs-CZ" dirty="0"/>
           </a:p>
-        </p:txBody>
-      </p:sp>
-      <p:sp>
-        <p:nvSpPr>
-          <p:cNvPr id="3" name="Zástupný symbol pro obsah 2"/>
-          <p:cNvSpPr>
-            <a:spLocks noGrp="1"/>
-          </p:cNvSpPr>
-          <p:nvPr>
-            <p:ph idx="1"/>
-          </p:nvPr>
-        </p:nvSpPr>
-        <p:spPr/>
-        <p:txBody>
-          <a:bodyPr/>
-          <a:lstStyle/>
-          <a:p>
-            <a:r>
-              <a:rPr lang="cs-CZ" dirty="0" smtClean="0"/>
-              <a:t>Scanner.c</a:t>
-            </a:r>
-          </a:p>
-          <a:p>
-            <a:pPr lvl="1">
-              <a:buNone/>
-            </a:pPr>
-            <a:r>
-              <a:rPr lang="cs-CZ" dirty="0" smtClean="0"/>
-              <a:t>+ zásobník a dynamický řetězec</a:t>
-            </a:r>
-            <a:endParaRPr lang="cs-CZ" dirty="0" smtClean="0"/>
-          </a:p>
-          <a:p>
-            <a:endParaRPr lang="cs-CZ" dirty="0" smtClean="0"/>
-          </a:p>
-          <a:p>
-            <a:r>
-              <a:rPr lang="cs-CZ" dirty="0" smtClean="0"/>
+          <a:p>
+            <a:r>
+              <a:rPr lang="cs-CZ" dirty="0"/>
               <a:t>Struktura </a:t>
             </a:r>
             <a:r>
-              <a:rPr lang="cs-CZ" dirty="0" err="1" smtClean="0"/>
+              <a:rPr lang="cs-CZ" dirty="0" err="1"/>
               <a:t>Token</a:t>
             </a:r>
-            <a:endParaRPr lang="cs-CZ" dirty="0" smtClean="0"/>
-          </a:p>
-          <a:p>
-            <a:endParaRPr lang="cs-CZ" dirty="0" smtClean="0"/>
-          </a:p>
-          <a:p>
-            <a:r>
-              <a:rPr lang="cs-CZ" dirty="0" smtClean="0"/>
+            <a:endParaRPr lang="cs-CZ" dirty="0"/>
+          </a:p>
+          <a:p>
+            <a:endParaRPr lang="cs-CZ" dirty="0"/>
+          </a:p>
+          <a:p>
+            <a:r>
+              <a:rPr lang="cs-CZ" dirty="0"/>
               <a:t>Funkce </a:t>
             </a:r>
             <a:r>
-              <a:rPr lang="cs-CZ" dirty="0" err="1" smtClean="0"/>
+              <a:rPr lang="cs-CZ" dirty="0" err="1"/>
               <a:t>get</a:t>
             </a:r>
             <a:r>
-              <a:rPr lang="cs-CZ" dirty="0" smtClean="0"/>
+              <a:rPr lang="cs-CZ" dirty="0"/>
               <a:t>_</a:t>
             </a:r>
             <a:r>
-              <a:rPr lang="cs-CZ" dirty="0" err="1" smtClean="0"/>
+              <a:rPr lang="cs-CZ" dirty="0" err="1"/>
               <a:t>next</a:t>
             </a:r>
             <a:r>
-              <a:rPr lang="cs-CZ" dirty="0" smtClean="0"/>
+              <a:rPr lang="cs-CZ" dirty="0"/>
               <a:t>_</a:t>
             </a:r>
             <a:r>
-              <a:rPr lang="cs-CZ" dirty="0" err="1" smtClean="0"/>
+              <a:rPr lang="cs-CZ" dirty="0" err="1"/>
               <a:t>token</a:t>
             </a:r>
-            <a:endParaRPr lang="cs-CZ" dirty="0" smtClean="0"/>
-          </a:p>
-          <a:p>
-            <a:endParaRPr lang="cs-CZ" dirty="0" smtClean="0"/>
-          </a:p>
-          <a:p>
-            <a:r>
-              <a:rPr lang="cs-CZ" dirty="0" err="1" smtClean="0"/>
+            <a:endParaRPr lang="cs-CZ" dirty="0"/>
+          </a:p>
+          <a:p>
+            <a:endParaRPr lang="cs-CZ" dirty="0"/>
+          </a:p>
+          <a:p>
+            <a:r>
+              <a:rPr lang="cs-CZ" dirty="0" err="1"/>
               <a:t>Indentace</a:t>
             </a:r>
             <a:endParaRPr lang="cs-CZ" dirty="0"/>
@@ -5538,7 +5624,10 @@
           <a:bodyPr/>
           <a:lstStyle/>
           <a:p>
-            <a:endParaRPr lang="cs-CZ"/>
+            <a:r>
+              <a:rPr lang="cs-CZ" dirty="0"/>
+              <a:t>2) Syntaktická analýza</a:t>
+            </a:r>
           </a:p>
         </p:txBody>
       </p:sp>
@@ -5557,7 +5646,47 @@
           <a:bodyPr/>
           <a:lstStyle/>
           <a:p>
-            <a:endParaRPr lang="cs-CZ"/>
+            <a:r>
+              <a:rPr lang="cs-CZ" dirty="0"/>
+              <a:t>Rekurzivní sestup</a:t>
+            </a:r>
+          </a:p>
+          <a:p>
+            <a:endParaRPr lang="cs-CZ" dirty="0"/>
+          </a:p>
+          <a:p>
+            <a:r>
+              <a:rPr lang="cs-CZ" dirty="0"/>
+              <a:t>Struktura </a:t>
+            </a:r>
+            <a:r>
+              <a:rPr lang="cs-CZ" dirty="0" err="1"/>
+              <a:t>prog_data</a:t>
+            </a:r>
+            <a:endParaRPr lang="cs-CZ" dirty="0"/>
+          </a:p>
+          <a:p>
+            <a:endParaRPr lang="cs-CZ" dirty="0"/>
+          </a:p>
+          <a:p>
+            <a:r>
+              <a:rPr lang="cs-CZ" dirty="0"/>
+              <a:t>Problematika pravidel s výrazem/voláním </a:t>
+            </a:r>
+            <a:r>
+              <a:rPr lang="cs-CZ" dirty="0" err="1"/>
+              <a:t>fce</a:t>
+            </a:r>
+            <a:endParaRPr lang="cs-CZ" dirty="0"/>
+          </a:p>
+          <a:p>
+            <a:endParaRPr lang="cs-CZ" dirty="0"/>
+          </a:p>
+          <a:p>
+            <a:r>
+              <a:rPr lang="cs-CZ" dirty="0"/>
+              <a:t>Uložení tokenů výrazu do seznamu tokenů </a:t>
+            </a:r>
           </a:p>
         </p:txBody>
       </p:sp>
@@ -5625,7 +5754,10 @@
           <a:bodyPr/>
           <a:lstStyle/>
           <a:p>
-            <a:endParaRPr lang="cs-CZ" dirty="0"/>
+            <a:r>
+              <a:rPr lang="cs-CZ" dirty="0"/>
+              <a:t>Precedenční analýza</a:t>
+            </a:r>
           </a:p>
         </p:txBody>
       </p:sp>
@@ -5699,7 +5831,13 @@
       </p:grpSpPr>
       <p:sp>
         <p:nvSpPr>
-          <p:cNvPr id="2" name="Nadpis 1"/>
+          <p:cNvPr id="2" name="Nadpis 1">
+            <a:extLst>
+              <a:ext uri="{FF2B5EF4-FFF2-40B4-BE49-F238E27FC236}">
+                <a16:creationId xmlns:a16="http://schemas.microsoft.com/office/drawing/2014/main" id="{2171E894-CDD6-41D2-A811-6468A29B0993}"/>
+              </a:ext>
+            </a:extLst>
+          </p:cNvPr>
           <p:cNvSpPr>
             <a:spLocks noGrp="1"/>
           </p:cNvSpPr>
@@ -5713,49 +5851,111 @@
           <a:lstStyle/>
           <a:p>
             <a:r>
-              <a:rPr lang="cs-CZ" dirty="0" smtClean="0"/>
-              <a:t>4) Generování kódu</a:t>
-            </a:r>
+              <a:rPr lang="cs-CZ" dirty="0"/>
+              <a:t>3) Sémantická analýza</a:t>
+            </a:r>
+          </a:p>
+        </p:txBody>
+      </p:sp>
+      <p:sp>
+        <p:nvSpPr>
+          <p:cNvPr id="3" name="Zástupný obsah 2">
+            <a:extLst>
+              <a:ext uri="{FF2B5EF4-FFF2-40B4-BE49-F238E27FC236}">
+                <a16:creationId xmlns:a16="http://schemas.microsoft.com/office/drawing/2014/main" id="{65E122B9-9A57-4623-92DC-B35C8723C495}"/>
+              </a:ext>
+            </a:extLst>
+          </p:cNvPr>
+          <p:cNvSpPr>
+            <a:spLocks noGrp="1"/>
+          </p:cNvSpPr>
+          <p:nvPr>
+            <p:ph idx="1"/>
+          </p:nvPr>
+        </p:nvSpPr>
+        <p:spPr/>
+        <p:txBody>
+          <a:bodyPr/>
+          <a:lstStyle/>
+          <a:p>
+            <a:pPr marL="621792" indent="-457200"/>
+            <a:r>
+              <a:rPr lang="cs-CZ" dirty="0"/>
+              <a:t>Definice proměnných </a:t>
+            </a:r>
+          </a:p>
+          <a:p>
+            <a:pPr marL="164592" indent="0">
+              <a:buNone/>
+            </a:pPr>
             <a:endParaRPr lang="cs-CZ" dirty="0"/>
           </a:p>
-        </p:txBody>
-      </p:sp>
-      <p:sp>
-        <p:nvSpPr>
-          <p:cNvPr id="3" name="Zástupný symbol pro obsah 2"/>
-          <p:cNvSpPr>
-            <a:spLocks noGrp="1"/>
-          </p:cNvSpPr>
-          <p:nvPr>
-            <p:ph idx="1"/>
-          </p:nvPr>
-        </p:nvSpPr>
-        <p:spPr/>
-        <p:txBody>
-          <a:bodyPr/>
-          <a:lstStyle/>
-          <a:p>
-            <a:r>
-              <a:rPr lang="cs-CZ" dirty="0" err="1" smtClean="0"/>
-              <a:t>Generator.c</a:t>
-            </a:r>
-            <a:endParaRPr lang="cs-CZ" dirty="0" smtClean="0"/>
-          </a:p>
-          <a:p>
-            <a:endParaRPr lang="cs-CZ" dirty="0" smtClean="0"/>
-          </a:p>
-          <a:p>
-            <a:r>
-              <a:rPr lang="cs-CZ" dirty="0" smtClean="0"/>
-              <a:t>Hlavní tělo</a:t>
-            </a:r>
+          <a:p>
+            <a:pPr marL="621792" indent="-457200"/>
+            <a:r>
+              <a:rPr lang="cs-CZ" dirty="0"/>
+              <a:t>Kontrola definic funkcí</a:t>
+            </a:r>
+          </a:p>
+          <a:p>
+            <a:pPr marL="621792" indent="-457200"/>
             <a:endParaRPr lang="cs-CZ" dirty="0"/>
           </a:p>
-        </p:txBody>
-      </p:sp>
-      <p:sp>
-        <p:nvSpPr>
-          <p:cNvPr id="4" name="Zástupný symbol pro číslo snímku 3"/>
+          <a:p>
+            <a:pPr marL="621792" indent="-457200"/>
+            <a:r>
+              <a:rPr lang="cs-CZ" dirty="0"/>
+              <a:t>Přidání vestavěných funkcí </a:t>
+            </a:r>
+          </a:p>
+          <a:p>
+            <a:pPr marL="621792" indent="-457200"/>
+            <a:endParaRPr lang="cs-CZ" dirty="0"/>
+          </a:p>
+          <a:p>
+            <a:pPr marL="621792" indent="-457200"/>
+            <a:r>
+              <a:rPr lang="cs-CZ" dirty="0"/>
+              <a:t>Počet argumentů při volání/definici</a:t>
+            </a:r>
+          </a:p>
+          <a:p>
+            <a:pPr marL="621792" indent="-457200"/>
+            <a:endParaRPr lang="cs-CZ" dirty="0"/>
+          </a:p>
+          <a:p>
+            <a:pPr marL="621792" indent="-457200"/>
+            <a:endParaRPr lang="cs-CZ" dirty="0"/>
+          </a:p>
+          <a:p>
+            <a:pPr marL="621792" indent="-457200"/>
+            <a:endParaRPr lang="cs-CZ" dirty="0"/>
+          </a:p>
+          <a:p>
+            <a:pPr marL="621792" indent="-457200"/>
+            <a:endParaRPr lang="cs-CZ" dirty="0"/>
+          </a:p>
+          <a:p>
+            <a:pPr marL="621792" indent="-457200"/>
+            <a:endParaRPr lang="cs-CZ" dirty="0"/>
+          </a:p>
+          <a:p>
+            <a:pPr marL="164592" indent="0">
+              <a:buNone/>
+            </a:pPr>
+            <a:endParaRPr lang="cs-CZ" dirty="0"/>
+          </a:p>
+        </p:txBody>
+      </p:sp>
+      <p:sp>
+        <p:nvSpPr>
+          <p:cNvPr id="4" name="Zástupný symbol pro číslo snímku 3">
+            <a:extLst>
+              <a:ext uri="{FF2B5EF4-FFF2-40B4-BE49-F238E27FC236}">
+                <a16:creationId xmlns:a16="http://schemas.microsoft.com/office/drawing/2014/main" id="{7BD5EF6D-35C7-4DEA-8DC6-C4B08898D1D3}"/>
+              </a:ext>
+            </a:extLst>
+          </p:cNvPr>
           <p:cNvSpPr>
             <a:spLocks noGrp="1"/>
           </p:cNvSpPr>
@@ -5778,6 +5978,11 @@
         </p:txBody>
       </p:sp>
     </p:spTree>
+    <p:extLst>
+      <p:ext uri="{BB962C8B-B14F-4D97-AF65-F5344CB8AC3E}">
+        <p14:creationId xmlns:p14="http://schemas.microsoft.com/office/powerpoint/2010/main" val="3708853172"/>
+      </p:ext>
+    </p:extLst>
   </p:cSld>
   <p:clrMapOvr>
     <a:masterClrMapping/>

--- a/IFJ.pptx
+++ b/IFJ.pptx
@@ -5776,7 +5776,69 @@
           <a:bodyPr/>
           <a:lstStyle/>
           <a:p>
-            <a:endParaRPr lang="cs-CZ"/>
+            <a:r>
+              <a:rPr lang="cs-CZ" dirty="0"/>
+              <a:t>Převod tokenu na symbol z výčtu „</a:t>
+            </a:r>
+            <a:r>
+              <a:rPr lang="cs-CZ" dirty="0" err="1"/>
+              <a:t>enum</a:t>
+            </a:r>
+            <a:r>
+              <a:rPr lang="cs-CZ" dirty="0"/>
+              <a:t>“</a:t>
+            </a:r>
+          </a:p>
+          <a:p>
+            <a:pPr marL="118872" indent="0">
+              <a:buNone/>
+            </a:pPr>
+            <a:endParaRPr lang="cs-CZ" dirty="0"/>
+          </a:p>
+          <a:p>
+            <a:r>
+              <a:rPr lang="cs-CZ" dirty="0"/>
+              <a:t>Precedenční tabulka</a:t>
+            </a:r>
+          </a:p>
+          <a:p>
+            <a:endParaRPr lang="cs-CZ" dirty="0"/>
+          </a:p>
+          <a:p>
+            <a:r>
+              <a:rPr lang="cs-CZ" dirty="0"/>
+              <a:t>Zásobník / jednosměrný spojový seznam </a:t>
+            </a:r>
+          </a:p>
+          <a:p>
+            <a:pPr marL="118872" indent="0">
+              <a:buNone/>
+            </a:pPr>
+            <a:endParaRPr lang="cs-CZ" dirty="0"/>
+          </a:p>
+          <a:p>
+            <a:r>
+              <a:rPr lang="cs-CZ" dirty="0"/>
+              <a:t>Algoritmus pro precedenční analýzu</a:t>
+            </a:r>
+          </a:p>
+          <a:p>
+            <a:endParaRPr lang="cs-CZ" dirty="0"/>
+          </a:p>
+          <a:p>
+            <a:endParaRPr lang="cs-CZ" dirty="0"/>
+          </a:p>
+          <a:p>
+            <a:endParaRPr lang="cs-CZ" dirty="0"/>
+          </a:p>
+          <a:p>
+            <a:endParaRPr lang="cs-CZ" dirty="0"/>
+          </a:p>
+          <a:p>
+            <a:endParaRPr lang="cs-CZ" dirty="0"/>
+          </a:p>
+          <a:p>
+            <a:endParaRPr lang="cs-CZ" dirty="0"/>
           </a:p>
         </p:txBody>
       </p:sp>
